--- a/leaflet/brochure_design2.pptx
+++ b/leaflet/brochure_design2.pptx
@@ -3004,13 +3004,13 @@
               </a:ext>
             </a:extLst>
           </a:blip>
-          <a:srcRect l="15675" r="30060" b="9055"/>
+          <a:srcRect l="15675" r="30345" b="9055"/>
           <a:stretch/>
         </p:blipFill>
         <p:spPr>
           <a:xfrm>
-            <a:off x="3302758" y="6814"/>
-            <a:ext cx="6619164" cy="6237027"/>
+            <a:off x="3355363" y="115483"/>
+            <a:ext cx="6375491" cy="6039165"/>
           </a:xfrm>
           <a:prstGeom prst="rect">
             <a:avLst/>
@@ -3025,8 +3025,8 @@
         </p:nvSpPr>
         <p:spPr>
           <a:xfrm>
-            <a:off x="4258101" y="1705970"/>
-            <a:ext cx="4844956" cy="1501254"/>
+            <a:off x="4280398" y="1760735"/>
+            <a:ext cx="4691255" cy="1453628"/>
           </a:xfrm>
           <a:prstGeom prst="rect">
             <a:avLst/>
@@ -3051,8 +3051,8 @@
         </p:nvSpPr>
         <p:spPr>
           <a:xfrm>
-            <a:off x="3562065" y="438237"/>
-            <a:ext cx="6141493" cy="1838238"/>
+            <a:off x="3606443" y="533219"/>
+            <a:ext cx="5946661" cy="1779922"/>
           </a:xfrm>
           <a:prstGeom prst="roundRect">
             <a:avLst/>
@@ -3101,8 +3101,8 @@
         </p:nvSpPr>
         <p:spPr>
           <a:xfrm>
-            <a:off x="6639635" y="1091811"/>
-            <a:ext cx="2835488" cy="1015663"/>
+            <a:off x="6586381" y="1166060"/>
+            <a:ext cx="2745535" cy="983442"/>
           </a:xfrm>
           <a:prstGeom prst="rect">
             <a:avLst/>
@@ -3141,8 +3141,8 @@
         </p:nvSpPr>
         <p:spPr>
           <a:xfrm>
-            <a:off x="3777018" y="667853"/>
-            <a:ext cx="2647666" cy="1200329"/>
+            <a:off x="3814577" y="755551"/>
+            <a:ext cx="2563672" cy="1162250"/>
           </a:xfrm>
           <a:prstGeom prst="rect">
             <a:avLst/>
@@ -3175,8 +3175,8 @@
         </p:nvSpPr>
         <p:spPr>
           <a:xfrm>
-            <a:off x="0" y="6243841"/>
-            <a:ext cx="9906000" cy="614159"/>
+            <a:off x="157381" y="6154648"/>
+            <a:ext cx="9591743" cy="594676"/>
           </a:xfrm>
           <a:prstGeom prst="rect">
             <a:avLst/>
@@ -3236,8 +3236,8 @@
         </p:blipFill>
         <p:spPr bwMode="auto">
           <a:xfrm>
-            <a:off x="8170559" y="6264564"/>
-            <a:ext cx="1721794" cy="599963"/>
+            <a:off x="8055090" y="6174713"/>
+            <a:ext cx="1675764" cy="580930"/>
           </a:xfrm>
           <a:prstGeom prst="rect">
             <a:avLst/>
@@ -3275,8 +3275,8 @@
         </p:blipFill>
         <p:spPr bwMode="auto">
           <a:xfrm>
-            <a:off x="6680579" y="6289404"/>
-            <a:ext cx="518564" cy="523033"/>
+            <a:off x="6626026" y="6198765"/>
+            <a:ext cx="502113" cy="506440"/>
           </a:xfrm>
           <a:prstGeom prst="rect">
             <a:avLst/>
@@ -3301,8 +3301,8 @@
         </p:nvSpPr>
         <p:spPr>
           <a:xfrm>
-            <a:off x="0" y="0"/>
-            <a:ext cx="3332163" cy="4893647"/>
+            <a:off x="157381" y="108885"/>
+            <a:ext cx="3226454" cy="4738402"/>
           </a:xfrm>
           <a:prstGeom prst="rect">
             <a:avLst/>
@@ -3404,8 +3404,8 @@
         </p:nvSpPr>
         <p:spPr>
           <a:xfrm>
-            <a:off x="3332162" y="6280155"/>
-            <a:ext cx="3307473" cy="553998"/>
+            <a:off x="3383834" y="6189810"/>
+            <a:ext cx="3202547" cy="536423"/>
           </a:xfrm>
           <a:prstGeom prst="rect">
             <a:avLst/>
@@ -3466,8 +3466,8 @@
         </p:blipFill>
         <p:spPr>
           <a:xfrm>
-            <a:off x="0" y="6340292"/>
-            <a:ext cx="1637731" cy="463083"/>
+            <a:off x="157381" y="6248039"/>
+            <a:ext cx="1585776" cy="448392"/>
           </a:xfrm>
           <a:prstGeom prst="rect">
             <a:avLst/>
@@ -3482,8 +3482,8 @@
         </p:nvSpPr>
         <p:spPr>
           <a:xfrm>
-            <a:off x="6654586" y="597654"/>
-            <a:ext cx="2763672" cy="523220"/>
+            <a:off x="6600858" y="687579"/>
+            <a:ext cx="2675998" cy="506621"/>
           </a:xfrm>
           <a:prstGeom prst="rect">
             <a:avLst/>
@@ -3569,8 +3569,8 @@
         </p:nvSpPr>
         <p:spPr>
           <a:xfrm>
-            <a:off x="6645275" y="0"/>
-            <a:ext cx="3263712" cy="2276475"/>
+            <a:off x="6575237" y="140836"/>
+            <a:ext cx="3128321" cy="2182039"/>
           </a:xfrm>
           <a:prstGeom prst="rect">
             <a:avLst/>
@@ -3628,8 +3628,8 @@
         </p:blipFill>
         <p:spPr>
           <a:xfrm>
-            <a:off x="3807728" y="4596572"/>
-            <a:ext cx="6003998" cy="2193400"/>
+            <a:off x="3855402" y="4546726"/>
+            <a:ext cx="5754930" cy="2102410"/>
           </a:xfrm>
           <a:prstGeom prst="rect">
             <a:avLst/>
@@ -3644,8 +3644,8 @@
         </p:nvSpPr>
         <p:spPr>
           <a:xfrm>
-            <a:off x="6877147" y="168741"/>
-            <a:ext cx="2927679" cy="1938992"/>
+            <a:off x="6797490" y="302577"/>
+            <a:ext cx="2806228" cy="1858556"/>
           </a:xfrm>
           <a:prstGeom prst="rect">
             <a:avLst/>
@@ -3728,8 +3728,8 @@
         </p:nvSpPr>
         <p:spPr>
           <a:xfrm>
-            <a:off x="6780537" y="3497856"/>
-            <a:ext cx="3292226" cy="954107"/>
+            <a:off x="6609352" y="3452645"/>
+            <a:ext cx="3039614" cy="954107"/>
           </a:xfrm>
           <a:prstGeom prst="rect">
             <a:avLst/>
@@ -3839,8 +3839,8 @@
         </p:nvSpPr>
         <p:spPr>
           <a:xfrm>
-            <a:off x="6808907" y="2494948"/>
-            <a:ext cx="2791326" cy="923330"/>
+            <a:off x="6732081" y="2532285"/>
+            <a:ext cx="2675532" cy="885027"/>
           </a:xfrm>
           <a:prstGeom prst="rect">
             <a:avLst/>
@@ -3914,8 +3914,8 @@
         </p:nvSpPr>
         <p:spPr>
           <a:xfrm>
-            <a:off x="280253" y="372347"/>
-            <a:ext cx="5024897" cy="3785652"/>
+            <a:off x="474259" y="497737"/>
+            <a:ext cx="4816446" cy="3628610"/>
           </a:xfrm>
           <a:prstGeom prst="rect">
             <a:avLst/>
@@ -4061,8 +4061,8 @@
         </p:blipFill>
         <p:spPr>
           <a:xfrm>
-            <a:off x="83986" y="4584690"/>
-            <a:ext cx="3615397" cy="2197290"/>
+            <a:off x="286134" y="4535337"/>
+            <a:ext cx="3465417" cy="2106139"/>
           </a:xfrm>
           <a:prstGeom prst="rect">
             <a:avLst/>
@@ -4077,8 +4077,8 @@
         </p:nvSpPr>
         <p:spPr>
           <a:xfrm>
-            <a:off x="6686219" y="2405079"/>
-            <a:ext cx="3153818" cy="2115124"/>
+            <a:off x="6614482" y="2446144"/>
+            <a:ext cx="3022986" cy="2027381"/>
           </a:xfrm>
           <a:prstGeom prst="roundRect">
             <a:avLst/>

--- a/leaflet/brochure_design2.pptx
+++ b/leaflet/brochure_design2.pptx
@@ -260,7 +260,7 @@
           <a:p>
             <a:fld id="{B87DEC26-9C8D-4E28-8922-A42F0CC7A2F8}" type="datetimeFigureOut">
               <a:rPr lang="en-GB" smtClean="0"/>
-              <a:t>12/02/2017</a:t>
+              <a:t>13/02/2017</a:t>
             </a:fld>
             <a:endParaRPr lang="en-GB"/>
           </a:p>
@@ -430,7 +430,7 @@
           <a:p>
             <a:fld id="{B87DEC26-9C8D-4E28-8922-A42F0CC7A2F8}" type="datetimeFigureOut">
               <a:rPr lang="en-GB" smtClean="0"/>
-              <a:t>12/02/2017</a:t>
+              <a:t>13/02/2017</a:t>
             </a:fld>
             <a:endParaRPr lang="en-GB"/>
           </a:p>
@@ -610,7 +610,7 @@
           <a:p>
             <a:fld id="{B87DEC26-9C8D-4E28-8922-A42F0CC7A2F8}" type="datetimeFigureOut">
               <a:rPr lang="en-GB" smtClean="0"/>
-              <a:t>12/02/2017</a:t>
+              <a:t>13/02/2017</a:t>
             </a:fld>
             <a:endParaRPr lang="en-GB"/>
           </a:p>
@@ -780,7 +780,7 @@
           <a:p>
             <a:fld id="{B87DEC26-9C8D-4E28-8922-A42F0CC7A2F8}" type="datetimeFigureOut">
               <a:rPr lang="en-GB" smtClean="0"/>
-              <a:t>12/02/2017</a:t>
+              <a:t>13/02/2017</a:t>
             </a:fld>
             <a:endParaRPr lang="en-GB"/>
           </a:p>
@@ -1024,7 +1024,7 @@
           <a:p>
             <a:fld id="{B87DEC26-9C8D-4E28-8922-A42F0CC7A2F8}" type="datetimeFigureOut">
               <a:rPr lang="en-GB" smtClean="0"/>
-              <a:t>12/02/2017</a:t>
+              <a:t>13/02/2017</a:t>
             </a:fld>
             <a:endParaRPr lang="en-GB"/>
           </a:p>
@@ -1256,7 +1256,7 @@
           <a:p>
             <a:fld id="{B87DEC26-9C8D-4E28-8922-A42F0CC7A2F8}" type="datetimeFigureOut">
               <a:rPr lang="en-GB" smtClean="0"/>
-              <a:t>12/02/2017</a:t>
+              <a:t>13/02/2017</a:t>
             </a:fld>
             <a:endParaRPr lang="en-GB"/>
           </a:p>
@@ -1623,7 +1623,7 @@
           <a:p>
             <a:fld id="{B87DEC26-9C8D-4E28-8922-A42F0CC7A2F8}" type="datetimeFigureOut">
               <a:rPr lang="en-GB" smtClean="0"/>
-              <a:t>12/02/2017</a:t>
+              <a:t>13/02/2017</a:t>
             </a:fld>
             <a:endParaRPr lang="en-GB"/>
           </a:p>
@@ -1741,7 +1741,7 @@
           <a:p>
             <a:fld id="{B87DEC26-9C8D-4E28-8922-A42F0CC7A2F8}" type="datetimeFigureOut">
               <a:rPr lang="en-GB" smtClean="0"/>
-              <a:t>12/02/2017</a:t>
+              <a:t>13/02/2017</a:t>
             </a:fld>
             <a:endParaRPr lang="en-GB"/>
           </a:p>
@@ -1836,7 +1836,7 @@
           <a:p>
             <a:fld id="{B87DEC26-9C8D-4E28-8922-A42F0CC7A2F8}" type="datetimeFigureOut">
               <a:rPr lang="en-GB" smtClean="0"/>
-              <a:t>12/02/2017</a:t>
+              <a:t>13/02/2017</a:t>
             </a:fld>
             <a:endParaRPr lang="en-GB"/>
           </a:p>
@@ -2113,7 +2113,7 @@
           <a:p>
             <a:fld id="{B87DEC26-9C8D-4E28-8922-A42F0CC7A2F8}" type="datetimeFigureOut">
               <a:rPr lang="en-GB" smtClean="0"/>
-              <a:t>12/02/2017</a:t>
+              <a:t>13/02/2017</a:t>
             </a:fld>
             <a:endParaRPr lang="en-GB"/>
           </a:p>
@@ -2370,7 +2370,7 @@
           <a:p>
             <a:fld id="{B87DEC26-9C8D-4E28-8922-A42F0CC7A2F8}" type="datetimeFigureOut">
               <a:rPr lang="en-GB" smtClean="0"/>
-              <a:t>12/02/2017</a:t>
+              <a:t>13/02/2017</a:t>
             </a:fld>
             <a:endParaRPr lang="en-GB"/>
           </a:p>
@@ -2583,7 +2583,7 @@
           <a:p>
             <a:fld id="{B87DEC26-9C8D-4E28-8922-A42F0CC7A2F8}" type="datetimeFigureOut">
               <a:rPr lang="en-GB" smtClean="0"/>
-              <a:t>12/02/2017</a:t>
+              <a:t>13/02/2017</a:t>
             </a:fld>
             <a:endParaRPr lang="en-GB"/>
           </a:p>
@@ -3102,7 +3102,7 @@
         <p:spPr>
           <a:xfrm>
             <a:off x="6586381" y="1166060"/>
-            <a:ext cx="2745535" cy="983442"/>
+            <a:ext cx="2745535" cy="1015663"/>
           </a:xfrm>
           <a:prstGeom prst="rect">
             <a:avLst/>
@@ -3120,7 +3120,6 @@
                 <a:solidFill>
                   <a:srgbClr val="002060"/>
                 </a:solidFill>
-                <a:latin typeface="Berlin Sans FB" panose="020E0602020502020306" pitchFamily="34" charset="0"/>
               </a:rPr>
               <a:t>Learning programming with Python and Minecraft</a:t>
             </a:r>
@@ -3128,7 +3127,6 @@
               <a:solidFill>
                 <a:srgbClr val="002060"/>
               </a:solidFill>
-              <a:latin typeface="Berlin Sans FB" panose="020E0602020502020306" pitchFamily="34" charset="0"/>
             </a:endParaRPr>
           </a:p>
         </p:txBody>
@@ -3141,8 +3139,8 @@
         </p:nvSpPr>
         <p:spPr>
           <a:xfrm>
-            <a:off x="3814577" y="755551"/>
-            <a:ext cx="2563672" cy="1162250"/>
+            <a:off x="3814576" y="755551"/>
+            <a:ext cx="2608531" cy="1200329"/>
           </a:xfrm>
           <a:prstGeom prst="rect">
             <a:avLst/>
@@ -3156,14 +3154,26 @@
           <a:lstStyle/>
           <a:p>
             <a:r>
-              <a:rPr lang="en-GB" i="1" dirty="0" smtClean="0">
-                <a:latin typeface="Berlin Sans FB" panose="020E0602020502020306" pitchFamily="34" charset="0"/>
-              </a:rPr>
-              <a:t>Build arbitrary things, turn blocks into bombs or create interactive games, just with one click! </a:t>
-            </a:r>
-            <a:endParaRPr lang="en-GB" i="1" dirty="0">
-              <a:latin typeface="Berlin Sans FB" panose="020E0602020502020306" pitchFamily="34" charset="0"/>
-            </a:endParaRPr>
+              <a:rPr lang="en-GB" i="1" dirty="0" smtClean="0"/>
+              <a:t>Build </a:t>
+            </a:r>
+            <a:r>
+              <a:rPr lang="en-GB" i="1" dirty="0" smtClean="0"/>
+              <a:t>amazing </a:t>
+            </a:r>
+            <a:r>
+              <a:rPr lang="en-GB" i="1" dirty="0" smtClean="0"/>
+              <a:t>things, turn blocks into </a:t>
+            </a:r>
+            <a:r>
+              <a:rPr lang="en-GB" i="1" dirty="0" smtClean="0"/>
+              <a:t>bombs, </a:t>
+            </a:r>
+            <a:r>
+              <a:rPr lang="en-GB" i="1" dirty="0" smtClean="0"/>
+              <a:t>or create interactive games, just with one click! </a:t>
+            </a:r>
+            <a:endParaRPr lang="en-GB" i="1" dirty="0"/>
           </a:p>
         </p:txBody>
       </p:sp>
@@ -3302,7 +3312,7 @@
         <p:spPr>
           <a:xfrm>
             <a:off x="157381" y="108885"/>
-            <a:ext cx="3226454" cy="4738402"/>
+            <a:ext cx="3197982" cy="6001643"/>
           </a:xfrm>
           <a:prstGeom prst="rect">
             <a:avLst/>
@@ -3315,23 +3325,27 @@
           </a:bodyPr>
           <a:lstStyle/>
           <a:p>
-            <a:endParaRPr lang="en-GB" dirty="0"/>
-          </a:p>
-          <a:p>
-            <a:endParaRPr lang="en-GB" dirty="0" smtClean="0"/>
-          </a:p>
-          <a:p>
-            <a:r>
-              <a:rPr lang="en-GB" sz="2000" dirty="0">
+            <a:r>
+              <a:rPr lang="en-GB" sz="2000" dirty="0" smtClean="0">
                 <a:solidFill>
                   <a:srgbClr val="002060"/>
                 </a:solidFill>
-                <a:latin typeface="Berlin Sans FB Demi" panose="020E0802020502020306" pitchFamily="34" charset="0"/>
+                <a:ea typeface="Helvetica" charset="0"/>
+                <a:cs typeface="Helvetica" charset="0"/>
               </a:rPr>
               <a:t>What is Minecraft?</a:t>
             </a:r>
           </a:p>
           <a:p>
+            <a:r>
+              <a:rPr lang="en-GB" dirty="0" smtClean="0"/>
+              <a:t>Minecraft is a best-selling sandbox type video game set in a world where everything is made of blocks.</a:t>
+            </a:r>
+          </a:p>
+          <a:p>
+            <a:endParaRPr lang="en-GB" dirty="0" smtClean="0"/>
+          </a:p>
+          <a:p>
             <a:endParaRPr lang="en-GB" dirty="0"/>
           </a:p>
           <a:p>
@@ -3340,7 +3354,6 @@
                 <a:solidFill>
                   <a:srgbClr val="002060"/>
                 </a:solidFill>
-                <a:latin typeface="Berlin Sans FB Demi" panose="020E0802020502020306" pitchFamily="34" charset="0"/>
               </a:rPr>
               <a:t>What is Python?</a:t>
             </a:r>
@@ -3350,19 +3363,13 @@
               <a:rPr lang="en-GB" dirty="0"/>
               <a:t>Python is a very common and powerful -yet simple- programming language that can be used to modify your Minecraft worlds in real time.</a:t>
             </a:r>
-            <a:endParaRPr lang="en-GB" dirty="0" smtClean="0">
-              <a:latin typeface="Berlin Sans FB" panose="020E0602020502020306" pitchFamily="34" charset="0"/>
-            </a:endParaRPr>
-          </a:p>
-          <a:p>
-            <a:endParaRPr lang="en-GB" dirty="0">
-              <a:latin typeface="Berlin Sans FB" panose="020E0602020502020306" pitchFamily="34" charset="0"/>
-            </a:endParaRPr>
-          </a:p>
-          <a:p>
-            <a:endParaRPr lang="en-GB" dirty="0" smtClean="0">
-              <a:latin typeface="Berlin Sans FB" panose="020E0602020502020306" pitchFamily="34" charset="0"/>
-            </a:endParaRPr>
+            <a:endParaRPr lang="en-GB" dirty="0" smtClean="0"/>
+          </a:p>
+          <a:p>
+            <a:endParaRPr lang="en-GB" dirty="0"/>
+          </a:p>
+          <a:p>
+            <a:endParaRPr lang="en-GB" dirty="0" smtClean="0"/>
           </a:p>
           <a:p>
             <a:r>
@@ -3370,7 +3377,6 @@
                 <a:solidFill>
                   <a:srgbClr val="002060"/>
                 </a:solidFill>
-                <a:latin typeface="Berlin Sans FB Demi" panose="020E0802020502020306" pitchFamily="34" charset="0"/>
               </a:rPr>
               <a:t>PythonTool</a:t>
             </a:r>
@@ -3379,7 +3385,6 @@
                 <a:solidFill>
                   <a:srgbClr val="002060"/>
                 </a:solidFill>
-                <a:latin typeface="Berlin Sans FB Demi" panose="020E0802020502020306" pitchFamily="34" charset="0"/>
               </a:rPr>
               <a:t> Mod:</a:t>
             </a:r>
@@ -3391,7 +3396,15 @@
             </a:r>
             <a:r>
               <a:rPr lang="en-GB" dirty="0" smtClean="0"/>
-              <a:t> Mod provides an interactive way to get started with Python programming inside your Minecraft adventures.</a:t>
+              <a:t> Mod provides an interactive way to get started with Python programming inside your </a:t>
+            </a:r>
+            <a:r>
+              <a:rPr lang="en-GB" dirty="0" smtClean="0"/>
+              <a:t>own Minecraft </a:t>
+            </a:r>
+            <a:r>
+              <a:rPr lang="en-GB" dirty="0" smtClean="0"/>
+              <a:t>adventures.</a:t>
             </a:r>
           </a:p>
         </p:txBody>
@@ -3483,7 +3496,7 @@
         <p:spPr>
           <a:xfrm>
             <a:off x="6600858" y="687579"/>
-            <a:ext cx="2675998" cy="506621"/>
+            <a:ext cx="2675998" cy="523220"/>
           </a:xfrm>
           <a:prstGeom prst="rect">
             <a:avLst/>
@@ -3501,24 +3514,29 @@
                 <a:solidFill>
                   <a:srgbClr val="002060"/>
                 </a:solidFill>
-                <a:latin typeface="Berlin Sans FB Demi" panose="020E0802020502020306" pitchFamily="34" charset="0"/>
               </a:rPr>
-              <a:t>PytonTool</a:t>
+              <a:t>PythonTool</a:t>
             </a:r>
             <a:r>
               <a:rPr lang="en-GB" sz="2800" dirty="0" smtClean="0">
                 <a:solidFill>
                   <a:srgbClr val="002060"/>
                 </a:solidFill>
-                <a:latin typeface="Berlin Sans FB Demi" panose="020E0802020502020306" pitchFamily="34" charset="0"/>
               </a:rPr>
-              <a:t> Mod</a:t>
+              <a:t> </a:t>
+            </a:r>
+            <a:r>
+              <a:rPr lang="en-GB" sz="2800" dirty="0" smtClean="0">
+                <a:solidFill>
+                  <a:srgbClr val="002060"/>
+                </a:solidFill>
+              </a:rPr>
+              <a:t>Mod</a:t>
             </a:r>
             <a:endParaRPr lang="en-GB" sz="2800" dirty="0">
               <a:solidFill>
                 <a:srgbClr val="002060"/>
               </a:solidFill>
-              <a:latin typeface="Berlin Sans FB Demi" panose="020E0802020502020306" pitchFamily="34" charset="0"/>
             </a:endParaRPr>
           </a:p>
         </p:txBody>
@@ -3563,16 +3581,16 @@
       </p:grpSpPr>
       <p:sp>
         <p:nvSpPr>
-          <p:cNvPr id="5" name="Rectangle 4"/>
+          <p:cNvPr id="4" name="Rounded Rectangle 3"/>
           <p:cNvSpPr/>
           <p:nvPr/>
         </p:nvSpPr>
         <p:spPr>
           <a:xfrm>
-            <a:off x="6575237" y="140836"/>
-            <a:ext cx="3128321" cy="2182039"/>
+            <a:off x="6614482" y="140836"/>
+            <a:ext cx="3022986" cy="1633421"/>
           </a:xfrm>
-          <a:prstGeom prst="rect">
+          <a:prstGeom prst="roundRect">
             <a:avLst/>
           </a:prstGeom>
           <a:solidFill>
@@ -3603,7 +3621,7 @@
           <a:lstStyle/>
           <a:p>
             <a:pPr algn="ctr"/>
-            <a:endParaRPr lang="en-GB"/>
+            <a:endParaRPr lang="en-US"/>
           </a:p>
         </p:txBody>
       </p:sp>
@@ -3644,8 +3662,8 @@
         </p:nvSpPr>
         <p:spPr>
           <a:xfrm>
-            <a:off x="6797490" y="302577"/>
-            <a:ext cx="2806228" cy="1858556"/>
+            <a:off x="6736283" y="143041"/>
+            <a:ext cx="2806228" cy="1631216"/>
           </a:xfrm>
           <a:prstGeom prst="rect">
             <a:avLst/>
@@ -3657,62 +3675,61 @@
           </a:bodyPr>
           <a:lstStyle/>
           <a:p>
-            <a:pPr>
-              <a:lnSpc>
-                <a:spcPct val="120000"/>
-              </a:lnSpc>
-            </a:pPr>
-            <a:r>
-              <a:rPr lang="en-GB" sz="2000" b="1" i="1" dirty="0" err="1" smtClean="0">
+            <a:r>
+              <a:rPr lang="en-GB" sz="2000" b="1" dirty="0" err="1" smtClean="0">
                 <a:solidFill>
                   <a:srgbClr val="002060"/>
                 </a:solidFill>
                 <a:effectLst/>
-                <a:latin typeface="Open Sans"/>
               </a:rPr>
               <a:t>PythonTool</a:t>
             </a:r>
             <a:r>
-              <a:rPr lang="en-GB" sz="2000" b="1" i="1" dirty="0" smtClean="0">
+              <a:rPr lang="en-GB" sz="2000" b="1" dirty="0" smtClean="0">
                 <a:solidFill>
                   <a:srgbClr val="002060"/>
                 </a:solidFill>
                 <a:effectLst/>
-                <a:latin typeface="Open Sans"/>
               </a:rPr>
               <a:t> Mod </a:t>
             </a:r>
             <a:r>
-              <a:rPr lang="en-GB" sz="2000" b="0" i="1" dirty="0" smtClean="0">
+              <a:rPr lang="en-GB" sz="2000" b="0" dirty="0" smtClean="0">
                 <a:solidFill>
                   <a:srgbClr val="002060"/>
                 </a:solidFill>
                 <a:effectLst/>
-                <a:latin typeface="Open Sans"/>
               </a:rPr>
               <a:t>for </a:t>
             </a:r>
             <a:r>
-              <a:rPr lang="en-GB" sz="2000" b="1" i="1" dirty="0" smtClean="0">
+              <a:rPr lang="en-GB" sz="2000" b="1" dirty="0" smtClean="0">
                 <a:solidFill>
                   <a:srgbClr val="002060"/>
                 </a:solidFill>
                 <a:effectLst/>
-                <a:latin typeface="Open Sans"/>
               </a:rPr>
               <a:t>Minecraft</a:t>
             </a:r>
             <a:r>
-              <a:rPr lang="en-GB" sz="2000" b="0" i="1" dirty="0" smtClean="0">
+              <a:rPr lang="en-GB" sz="2000" b="0" dirty="0" smtClean="0">
                 <a:solidFill>
                   <a:srgbClr val="002060"/>
                 </a:solidFill>
                 <a:effectLst/>
-                <a:latin typeface="Open Sans"/>
               </a:rPr>
-              <a:t> interactively alters your Minecraft world in real time, using Python</a:t>
-            </a:r>
-            <a:endParaRPr lang="en-GB" sz="2000" i="1" dirty="0">
+              <a:t> interactively alters your Minecraft world in real time, using </a:t>
+            </a:r>
+            <a:r>
+              <a:rPr lang="en-GB" sz="2000" b="0" dirty="0" smtClean="0">
+                <a:solidFill>
+                  <a:srgbClr val="002060"/>
+                </a:solidFill>
+                <a:effectLst/>
+              </a:rPr>
+              <a:t>Python!</a:t>
+            </a:r>
+            <a:endParaRPr lang="en-GB" sz="2000" dirty="0">
               <a:solidFill>
                 <a:srgbClr val="002060"/>
               </a:solidFill>
@@ -3728,8 +3745,8 @@
         </p:nvSpPr>
         <p:spPr>
           <a:xfrm>
-            <a:off x="6609352" y="3452645"/>
-            <a:ext cx="3039614" cy="954107"/>
+            <a:off x="6732867" y="2819860"/>
+            <a:ext cx="2877465" cy="1569660"/>
           </a:xfrm>
           <a:prstGeom prst="rect">
             <a:avLst/>
@@ -3742,91 +3759,150 @@
           <a:lstStyle/>
           <a:p>
             <a:r>
-              <a:rPr lang="en-GB" sz="1400" dirty="0" smtClean="0">
+              <a:rPr lang="en-GB" sz="1600" b="1" dirty="0" smtClean="0">
                 <a:solidFill>
                   <a:schemeClr val="accent1">
                     <a:lumMod val="40000"/>
                     <a:lumOff val="60000"/>
                   </a:schemeClr>
                 </a:solidFill>
-                <a:latin typeface="Berlin Sans FB" panose="020E0602020502020306" pitchFamily="34" charset="0"/>
+                <a:ea typeface="Helvetica" charset="0"/>
+                <a:cs typeface="Helvetica" charset="0"/>
               </a:rPr>
               <a:t>MIT License </a:t>
             </a:r>
           </a:p>
           <a:p>
             <a:r>
-              <a:rPr lang="en-GB" sz="1400" dirty="0" smtClean="0">
+              <a:rPr lang="en-GB" sz="1600" b="1" dirty="0" smtClean="0">
                 <a:solidFill>
                   <a:schemeClr val="accent1">
                     <a:lumMod val="40000"/>
                     <a:lumOff val="60000"/>
                   </a:schemeClr>
                 </a:solidFill>
-                <a:latin typeface="Berlin Sans FB" panose="020E0602020502020306" pitchFamily="34" charset="0"/>
+                <a:ea typeface="Helvetica" charset="0"/>
+                <a:cs typeface="Helvetica" charset="0"/>
               </a:rPr>
-              <a:t>Copyright (c) 2016, Alvaro Perez-Diaz </a:t>
-            </a:r>
-          </a:p>
-          <a:p>
-            <a:r>
-              <a:rPr lang="en-GB" sz="1400" dirty="0" smtClean="0">
+              <a:t>Copyright (c) </a:t>
+            </a:r>
+            <a:r>
+              <a:rPr lang="en-GB" sz="1600" b="1" dirty="0" smtClean="0">
                 <a:solidFill>
                   <a:schemeClr val="accent1">
                     <a:lumMod val="40000"/>
                     <a:lumOff val="60000"/>
                   </a:schemeClr>
                 </a:solidFill>
-                <a:latin typeface="Berlin Sans FB" panose="020E0602020502020306" pitchFamily="34" charset="0"/>
+                <a:ea typeface="Helvetica" charset="0"/>
+                <a:cs typeface="Helvetica" charset="0"/>
               </a:rPr>
-              <a:t>&amp; Hans </a:t>
-            </a:r>
-            <a:r>
-              <a:rPr lang="en-GB" sz="1400" dirty="0" err="1" smtClean="0">
+              <a:t>2016,</a:t>
+            </a:r>
+          </a:p>
+          <a:p>
+            <a:r>
+              <a:rPr lang="en-GB" sz="1600" b="1" dirty="0" smtClean="0">
                 <a:solidFill>
                   <a:schemeClr val="accent1">
                     <a:lumMod val="40000"/>
                     <a:lumOff val="60000"/>
                   </a:schemeClr>
                 </a:solidFill>
-                <a:latin typeface="Berlin Sans FB" panose="020E0602020502020306" pitchFamily="34" charset="0"/>
+                <a:ea typeface="Helvetica" charset="0"/>
+                <a:cs typeface="Helvetica" charset="0"/>
               </a:rPr>
-              <a:t>Fangohr</a:t>
-            </a:r>
-            <a:r>
-              <a:rPr lang="en-GB" sz="1400" dirty="0" smtClean="0">
+              <a:t>Alvaro </a:t>
+            </a:r>
+            <a:r>
+              <a:rPr lang="en-GB" sz="1600" b="1" dirty="0" smtClean="0">
                 <a:solidFill>
                   <a:schemeClr val="accent1">
                     <a:lumMod val="40000"/>
                     <a:lumOff val="60000"/>
                   </a:schemeClr>
                 </a:solidFill>
-                <a:latin typeface="Berlin Sans FB" panose="020E0602020502020306" pitchFamily="34" charset="0"/>
+                <a:ea typeface="Helvetica" charset="0"/>
+                <a:cs typeface="Helvetica" charset="0"/>
               </a:rPr>
-              <a:t>.</a:t>
-            </a:r>
-          </a:p>
-          <a:p>
-            <a:r>
-              <a:rPr lang="en-GB" sz="1400" dirty="0" smtClean="0">
+              <a:t>Perez-Diaz </a:t>
+            </a:r>
+            <a:r>
+              <a:rPr lang="en-GB" sz="1600" b="1" dirty="0" smtClean="0">
                 <a:solidFill>
                   <a:schemeClr val="accent1">
                     <a:lumMod val="40000"/>
                     <a:lumOff val="60000"/>
                   </a:schemeClr>
                 </a:solidFill>
-                <a:latin typeface="Berlin Sans FB" panose="020E0602020502020306" pitchFamily="34" charset="0"/>
+                <a:ea typeface="Helvetica" charset="0"/>
+                <a:cs typeface="Helvetica" charset="0"/>
+              </a:rPr>
+              <a:t>&amp; </a:t>
+            </a:r>
+            <a:r>
+              <a:rPr lang="en-GB" sz="1600" b="1" dirty="0" smtClean="0">
+                <a:solidFill>
+                  <a:schemeClr val="accent1">
+                    <a:lumMod val="40000"/>
+                    <a:lumOff val="60000"/>
+                  </a:schemeClr>
+                </a:solidFill>
+                <a:ea typeface="Helvetica" charset="0"/>
+                <a:cs typeface="Helvetica" charset="0"/>
+              </a:rPr>
+              <a:t>Hans </a:t>
+            </a:r>
+            <a:r>
+              <a:rPr lang="en-GB" sz="1600" b="1" dirty="0" err="1" smtClean="0">
+                <a:solidFill>
+                  <a:schemeClr val="accent1">
+                    <a:lumMod val="40000"/>
+                    <a:lumOff val="60000"/>
+                  </a:schemeClr>
+                </a:solidFill>
+                <a:ea typeface="Helvetica" charset="0"/>
+                <a:cs typeface="Helvetica" charset="0"/>
+              </a:rPr>
+              <a:t>Fangohr</a:t>
+            </a:r>
+            <a:r>
+              <a:rPr lang="en-GB" sz="1600" b="1" dirty="0" smtClean="0">
+                <a:solidFill>
+                  <a:schemeClr val="accent1">
+                    <a:lumMod val="40000"/>
+                    <a:lumOff val="60000"/>
+                  </a:schemeClr>
+                </a:solidFill>
+                <a:ea typeface="Helvetica" charset="0"/>
+                <a:cs typeface="Helvetica" charset="0"/>
+              </a:rPr>
+              <a:t>.</a:t>
+            </a:r>
+          </a:p>
+          <a:p>
+            <a:r>
+              <a:rPr lang="en-GB" sz="1600" b="1" dirty="0" smtClean="0">
+                <a:solidFill>
+                  <a:schemeClr val="accent1">
+                    <a:lumMod val="40000"/>
+                    <a:lumOff val="60000"/>
+                  </a:schemeClr>
+                </a:solidFill>
+                <a:ea typeface="Helvetica" charset="0"/>
+                <a:cs typeface="Helvetica" charset="0"/>
               </a:rPr>
               <a:t>NGCM, University of Southampton, UK</a:t>
             </a:r>
-            <a:endParaRPr lang="en-GB" sz="1400" dirty="0">
+            <a:endParaRPr lang="en-GB" sz="1600" b="1" dirty="0">
               <a:solidFill>
                 <a:schemeClr val="accent1">
                   <a:lumMod val="40000"/>
                   <a:lumOff val="60000"/>
                 </a:schemeClr>
               </a:solidFill>
-              <a:latin typeface="Berlin Sans FB" panose="020E0602020502020306" pitchFamily="34" charset="0"/>
+              <a:ea typeface="Helvetica" charset="0"/>
+              <a:cs typeface="Helvetica" charset="0"/>
             </a:endParaRPr>
           </a:p>
         </p:txBody>
@@ -3839,8 +3915,8 @@
         </p:nvSpPr>
         <p:spPr>
           <a:xfrm>
-            <a:off x="6732081" y="2532285"/>
-            <a:ext cx="2675532" cy="885027"/>
+            <a:off x="6732867" y="1901064"/>
+            <a:ext cx="2675532" cy="861774"/>
           </a:xfrm>
           <a:prstGeom prst="rect">
             <a:avLst/>
@@ -3854,26 +3930,19 @@
           <a:lstStyle/>
           <a:p>
             <a:r>
-              <a:rPr lang="en-GB" dirty="0" smtClean="0">
+              <a:rPr lang="en-GB" b="1" dirty="0" smtClean="0">
                 <a:solidFill>
                   <a:schemeClr val="bg1"/>
                 </a:solidFill>
-                <a:latin typeface="Berlin Sans FB" panose="020E0602020502020306" pitchFamily="34" charset="0"/>
+                <a:ea typeface="Helvetica" charset="0"/>
+                <a:cs typeface="Helvetica" charset="0"/>
               </a:rPr>
-              <a:t>Get in touch</a:t>
-            </a:r>
-            <a:r>
-              <a:rPr lang="en-GB" dirty="0" smtClean="0">
-                <a:solidFill>
-                  <a:schemeClr val="bg1"/>
-                </a:solidFill>
-              </a:rPr>
-              <a:t>:</a:t>
-            </a:r>
-          </a:p>
-          <a:p>
-            <a:r>
-              <a:rPr lang="en-GB" i="1" dirty="0" err="1" smtClean="0">
+              <a:t>Get in touch:</a:t>
+            </a:r>
+          </a:p>
+          <a:p>
+            <a:r>
+              <a:rPr lang="en-GB" sz="1600" i="1" dirty="0" err="1" smtClean="0">
                 <a:solidFill>
                   <a:schemeClr val="bg1"/>
                 </a:solidFill>
@@ -3881,7 +3950,7 @@
               <a:t>PythonTool</a:t>
             </a:r>
             <a:r>
-              <a:rPr lang="en-GB" i="1" dirty="0" smtClean="0">
+              <a:rPr lang="en-GB" sz="1600" i="1" dirty="0" smtClean="0">
                 <a:solidFill>
                   <a:schemeClr val="bg1"/>
                 </a:solidFill>
@@ -3891,14 +3960,14 @@
           </a:p>
           <a:p>
             <a:r>
-              <a:rPr lang="en-GB" dirty="0" smtClean="0">
+              <a:rPr lang="en-GB" sz="1600" dirty="0" smtClean="0">
                 <a:solidFill>
                   <a:schemeClr val="bg1"/>
                 </a:solidFill>
               </a:rPr>
               <a:t>a.perez-diaz@soton.ac.uk</a:t>
             </a:r>
-            <a:endParaRPr lang="en-GB" dirty="0">
+            <a:endParaRPr lang="en-GB" sz="1600" dirty="0">
               <a:solidFill>
                 <a:schemeClr val="bg1"/>
               </a:solidFill>
@@ -3914,8 +3983,8 @@
         </p:nvSpPr>
         <p:spPr>
           <a:xfrm>
-            <a:off x="474259" y="497737"/>
-            <a:ext cx="4816446" cy="3628610"/>
+            <a:off x="286134" y="140836"/>
+            <a:ext cx="4816446" cy="4339650"/>
           </a:xfrm>
           <a:prstGeom prst="rect">
             <a:avLst/>
@@ -3929,20 +3998,18 @@
           <a:lstStyle/>
           <a:p>
             <a:r>
-              <a:rPr lang="en-GB" sz="2000" dirty="0">
+              <a:rPr lang="en-GB" sz="2400" b="1" dirty="0">
                 <a:solidFill>
                   <a:schemeClr val="bg1"/>
                 </a:solidFill>
-                <a:latin typeface="Berlin Sans FB Demi" panose="020E0802020502020306" pitchFamily="34" charset="0"/>
               </a:rPr>
               <a:t>Ever wanted to learn how to program</a:t>
             </a:r>
             <a:r>
-              <a:rPr lang="en-GB" sz="2000" dirty="0" smtClean="0">
+              <a:rPr lang="en-GB" sz="2400" b="1" dirty="0" smtClean="0">
                 <a:solidFill>
                   <a:schemeClr val="bg1"/>
                 </a:solidFill>
-                <a:latin typeface="Berlin Sans FB Demi" panose="020E0802020502020306" pitchFamily="34" charset="0"/>
               </a:rPr>
               <a:t>?</a:t>
             </a:r>
@@ -3960,7 +4027,6 @@
               <a:solidFill>
                 <a:schemeClr val="bg1"/>
               </a:solidFill>
-              <a:latin typeface="Berlin Sans FB Demi" panose="020E0802020502020306" pitchFamily="34" charset="0"/>
             </a:endParaRPr>
           </a:p>
           <a:p>
@@ -3968,7 +4034,6 @@
               <a:solidFill>
                 <a:schemeClr val="bg1"/>
               </a:solidFill>
-              <a:latin typeface="Berlin Sans FB Demi" panose="020E0802020502020306" pitchFamily="34" charset="0"/>
             </a:endParaRPr>
           </a:p>
           <a:p>
@@ -3976,7 +4041,6 @@
               <a:solidFill>
                 <a:schemeClr val="bg1"/>
               </a:solidFill>
-              <a:latin typeface="Berlin Sans FB Demi" panose="020E0802020502020306" pitchFamily="34" charset="0"/>
             </a:endParaRPr>
           </a:p>
           <a:p>
@@ -3984,7 +4048,6 @@
               <a:solidFill>
                 <a:schemeClr val="bg1"/>
               </a:solidFill>
-              <a:latin typeface="Berlin Sans FB Demi" panose="020E0802020502020306" pitchFamily="34" charset="0"/>
             </a:endParaRPr>
           </a:p>
           <a:p>
@@ -3992,24 +4055,14 @@
               <a:solidFill>
                 <a:schemeClr val="bg1"/>
               </a:solidFill>
-              <a:latin typeface="Berlin Sans FB Demi" panose="020E0802020502020306" pitchFamily="34" charset="0"/>
             </a:endParaRPr>
           </a:p>
           <a:p>
-            <a:endParaRPr lang="en-GB" sz="2000" dirty="0" smtClean="0">
-              <a:solidFill>
-                <a:schemeClr val="bg1"/>
-              </a:solidFill>
-              <a:latin typeface="Berlin Sans FB Demi" panose="020E0802020502020306" pitchFamily="34" charset="0"/>
-            </a:endParaRPr>
-          </a:p>
-          <a:p>
-            <a:r>
-              <a:rPr lang="en-GB" sz="2000" dirty="0" smtClean="0">
+            <a:r>
+              <a:rPr lang="en-GB" sz="2400" b="1" dirty="0" smtClean="0">
                 <a:solidFill>
                   <a:schemeClr val="bg1"/>
                 </a:solidFill>
-                <a:latin typeface="Berlin Sans FB Demi" panose="020E0802020502020306" pitchFamily="34" charset="0"/>
               </a:rPr>
               <a:t>Get more examples and start coding at:</a:t>
             </a:r>
@@ -4035,7 +4088,6 @@
               <a:solidFill>
                 <a:schemeClr val="bg1"/>
               </a:solidFill>
-              <a:latin typeface="Berlin Sans FB Demi" panose="020E0802020502020306" pitchFamily="34" charset="0"/>
             </a:endParaRPr>
           </a:p>
         </p:txBody>
@@ -4077,8 +4129,8 @@
         </p:nvSpPr>
         <p:spPr>
           <a:xfrm>
-            <a:off x="6614482" y="2446144"/>
-            <a:ext cx="3022986" cy="2027381"/>
+            <a:off x="6614482" y="1901064"/>
+            <a:ext cx="3022986" cy="2483921"/>
           </a:xfrm>
           <a:prstGeom prst="roundRect">
             <a:avLst/>

--- a/leaflet/brochure_design2.pptx
+++ b/leaflet/brochure_design2.pptx
@@ -260,7 +260,7 @@
           <a:p>
             <a:fld id="{B87DEC26-9C8D-4E28-8922-A42F0CC7A2F8}" type="datetimeFigureOut">
               <a:rPr lang="en-GB" smtClean="0"/>
-              <a:t>13/02/2017</a:t>
+              <a:t>14/02/2017</a:t>
             </a:fld>
             <a:endParaRPr lang="en-GB"/>
           </a:p>
@@ -430,7 +430,7 @@
           <a:p>
             <a:fld id="{B87DEC26-9C8D-4E28-8922-A42F0CC7A2F8}" type="datetimeFigureOut">
               <a:rPr lang="en-GB" smtClean="0"/>
-              <a:t>13/02/2017</a:t>
+              <a:t>14/02/2017</a:t>
             </a:fld>
             <a:endParaRPr lang="en-GB"/>
           </a:p>
@@ -610,7 +610,7 @@
           <a:p>
             <a:fld id="{B87DEC26-9C8D-4E28-8922-A42F0CC7A2F8}" type="datetimeFigureOut">
               <a:rPr lang="en-GB" smtClean="0"/>
-              <a:t>13/02/2017</a:t>
+              <a:t>14/02/2017</a:t>
             </a:fld>
             <a:endParaRPr lang="en-GB"/>
           </a:p>
@@ -780,7 +780,7 @@
           <a:p>
             <a:fld id="{B87DEC26-9C8D-4E28-8922-A42F0CC7A2F8}" type="datetimeFigureOut">
               <a:rPr lang="en-GB" smtClean="0"/>
-              <a:t>13/02/2017</a:t>
+              <a:t>14/02/2017</a:t>
             </a:fld>
             <a:endParaRPr lang="en-GB"/>
           </a:p>
@@ -1024,7 +1024,7 @@
           <a:p>
             <a:fld id="{B87DEC26-9C8D-4E28-8922-A42F0CC7A2F8}" type="datetimeFigureOut">
               <a:rPr lang="en-GB" smtClean="0"/>
-              <a:t>13/02/2017</a:t>
+              <a:t>14/02/2017</a:t>
             </a:fld>
             <a:endParaRPr lang="en-GB"/>
           </a:p>
@@ -1256,7 +1256,7 @@
           <a:p>
             <a:fld id="{B87DEC26-9C8D-4E28-8922-A42F0CC7A2F8}" type="datetimeFigureOut">
               <a:rPr lang="en-GB" smtClean="0"/>
-              <a:t>13/02/2017</a:t>
+              <a:t>14/02/2017</a:t>
             </a:fld>
             <a:endParaRPr lang="en-GB"/>
           </a:p>
@@ -1623,7 +1623,7 @@
           <a:p>
             <a:fld id="{B87DEC26-9C8D-4E28-8922-A42F0CC7A2F8}" type="datetimeFigureOut">
               <a:rPr lang="en-GB" smtClean="0"/>
-              <a:t>13/02/2017</a:t>
+              <a:t>14/02/2017</a:t>
             </a:fld>
             <a:endParaRPr lang="en-GB"/>
           </a:p>
@@ -1741,7 +1741,7 @@
           <a:p>
             <a:fld id="{B87DEC26-9C8D-4E28-8922-A42F0CC7A2F8}" type="datetimeFigureOut">
               <a:rPr lang="en-GB" smtClean="0"/>
-              <a:t>13/02/2017</a:t>
+              <a:t>14/02/2017</a:t>
             </a:fld>
             <a:endParaRPr lang="en-GB"/>
           </a:p>
@@ -1836,7 +1836,7 @@
           <a:p>
             <a:fld id="{B87DEC26-9C8D-4E28-8922-A42F0CC7A2F8}" type="datetimeFigureOut">
               <a:rPr lang="en-GB" smtClean="0"/>
-              <a:t>13/02/2017</a:t>
+              <a:t>14/02/2017</a:t>
             </a:fld>
             <a:endParaRPr lang="en-GB"/>
           </a:p>
@@ -2113,7 +2113,7 @@
           <a:p>
             <a:fld id="{B87DEC26-9C8D-4E28-8922-A42F0CC7A2F8}" type="datetimeFigureOut">
               <a:rPr lang="en-GB" smtClean="0"/>
-              <a:t>13/02/2017</a:t>
+              <a:t>14/02/2017</a:t>
             </a:fld>
             <a:endParaRPr lang="en-GB"/>
           </a:p>
@@ -2370,7 +2370,7 @@
           <a:p>
             <a:fld id="{B87DEC26-9C8D-4E28-8922-A42F0CC7A2F8}" type="datetimeFigureOut">
               <a:rPr lang="en-GB" smtClean="0"/>
-              <a:t>13/02/2017</a:t>
+              <a:t>14/02/2017</a:t>
             </a:fld>
             <a:endParaRPr lang="en-GB"/>
           </a:p>
@@ -2583,7 +2583,7 @@
           <a:p>
             <a:fld id="{B87DEC26-9C8D-4E28-8922-A42F0CC7A2F8}" type="datetimeFigureOut">
               <a:rPr lang="en-GB" smtClean="0"/>
-              <a:t>13/02/2017</a:t>
+              <a:t>14/02/2017</a:t>
             </a:fld>
             <a:endParaRPr lang="en-GB"/>
           </a:p>
@@ -3009,8 +3009,8 @@
         </p:blipFill>
         <p:spPr>
           <a:xfrm>
-            <a:off x="3355363" y="115483"/>
-            <a:ext cx="6375491" cy="6039165"/>
+            <a:off x="3320245" y="123172"/>
+            <a:ext cx="6465541" cy="6031476"/>
           </a:xfrm>
           <a:prstGeom prst="rect">
             <a:avLst/>
@@ -3101,7 +3101,7 @@
         </p:nvSpPr>
         <p:spPr>
           <a:xfrm>
-            <a:off x="6586381" y="1166060"/>
+            <a:off x="6674063" y="1103430"/>
             <a:ext cx="2745535" cy="1015663"/>
           </a:xfrm>
           <a:prstGeom prst="rect">
@@ -3155,23 +3155,7 @@
           <a:p>
             <a:r>
               <a:rPr lang="en-GB" i="1" dirty="0" smtClean="0"/>
-              <a:t>Build </a:t>
-            </a:r>
-            <a:r>
-              <a:rPr lang="en-GB" i="1" dirty="0" smtClean="0"/>
-              <a:t>amazing </a:t>
-            </a:r>
-            <a:r>
-              <a:rPr lang="en-GB" i="1" dirty="0" smtClean="0"/>
-              <a:t>things, turn blocks into </a:t>
-            </a:r>
-            <a:r>
-              <a:rPr lang="en-GB" i="1" dirty="0" smtClean="0"/>
-              <a:t>bombs, </a:t>
-            </a:r>
-            <a:r>
-              <a:rPr lang="en-GB" i="1" dirty="0" smtClean="0"/>
-              <a:t>or create interactive games, just with one click! </a:t>
+              <a:t>Build amazing things, turn blocks into bombs, or create interactive games, just with one click! </a:t>
             </a:r>
             <a:endParaRPr lang="en-GB" i="1" dirty="0"/>
           </a:p>
@@ -3185,8 +3169,8 @@
         </p:nvSpPr>
         <p:spPr>
           <a:xfrm>
-            <a:off x="157381" y="6154648"/>
-            <a:ext cx="9591743" cy="594676"/>
+            <a:off x="137787" y="6154648"/>
+            <a:ext cx="9648000" cy="594676"/>
           </a:xfrm>
           <a:prstGeom prst="rect">
             <a:avLst/>
@@ -3231,7 +3215,7 @@
           </p:cNvPicPr>
           <p:nvPr/>
         </p:nvPicPr>
-        <p:blipFill>
+        <p:blipFill rotWithShape="1">
           <a:blip r:embed="rId3" cstate="print">
             <a:extLst>
               <a:ext uri="{28A0092B-C50C-407E-A947-70E740481C1C}">
@@ -3239,15 +3223,13 @@
               </a:ext>
             </a:extLst>
           </a:blip>
-          <a:srcRect/>
-          <a:stretch>
-            <a:fillRect/>
-          </a:stretch>
+          <a:srcRect l="6435" r="6616"/>
+          <a:stretch/>
         </p:blipFill>
         <p:spPr bwMode="auto">
           <a:xfrm>
-            <a:off x="8055090" y="6174713"/>
-            <a:ext cx="1675764" cy="580930"/>
+            <a:off x="8313234" y="6163561"/>
+            <a:ext cx="1457067" cy="580930"/>
           </a:xfrm>
           <a:prstGeom prst="rect">
             <a:avLst/>
@@ -3285,7 +3267,7 @@
         </p:blipFill>
         <p:spPr bwMode="auto">
           <a:xfrm>
-            <a:off x="6626026" y="6198765"/>
+            <a:off x="6676130" y="6198765"/>
             <a:ext cx="502113" cy="506440"/>
           </a:xfrm>
           <a:prstGeom prst="rect">
@@ -3396,15 +3378,7 @@
             </a:r>
             <a:r>
               <a:rPr lang="en-GB" dirty="0" smtClean="0"/>
-              <a:t> Mod provides an interactive way to get started with Python programming inside your </a:t>
-            </a:r>
-            <a:r>
-              <a:rPr lang="en-GB" dirty="0" smtClean="0"/>
-              <a:t>own Minecraft </a:t>
-            </a:r>
-            <a:r>
-              <a:rPr lang="en-GB" dirty="0" smtClean="0"/>
-              <a:t>adventures.</a:t>
+              <a:t> Mod provides an interactive way to get started with Python programming inside your own Minecraft adventures.</a:t>
             </a:r>
           </a:p>
         </p:txBody>
@@ -3495,7 +3469,7 @@
         </p:nvSpPr>
         <p:spPr>
           <a:xfrm>
-            <a:off x="6600858" y="687579"/>
+            <a:off x="6688540" y="624949"/>
             <a:ext cx="2675998" cy="523220"/>
           </a:xfrm>
           <a:prstGeom prst="rect">
@@ -3523,15 +3497,7 @@
                   <a:srgbClr val="002060"/>
                 </a:solidFill>
               </a:rPr>
-              <a:t> </a:t>
-            </a:r>
-            <a:r>
-              <a:rPr lang="en-GB" sz="2800" dirty="0" smtClean="0">
-                <a:solidFill>
-                  <a:srgbClr val="002060"/>
-                </a:solidFill>
-              </a:rPr>
-              <a:t>Mod</a:t>
+              <a:t> Mod</a:t>
             </a:r>
             <a:endParaRPr lang="en-GB" sz="2800" dirty="0">
               <a:solidFill>
@@ -3541,6 +3507,52 @@
           </a:p>
         </p:txBody>
       </p:sp>
+      <p:pic>
+        <p:nvPicPr>
+          <p:cNvPr id="9" name="Picture 8"/>
+          <p:cNvPicPr>
+            <a:picLocks noChangeAspect="1"/>
+          </p:cNvPicPr>
+          <p:nvPr/>
+        </p:nvPicPr>
+        <p:blipFill>
+          <a:blip r:embed="rId6">
+            <a:extLst>
+              <a:ext uri="{BEBA8EAE-BF5A-486C-A8C5-ECC9F3942E4B}">
+                <a14:imgProps xmlns:a14="http://schemas.microsoft.com/office/drawing/2010/main">
+                  <a14:imgLayer r:embed="rId7">
+                    <a14:imgEffect>
+                      <a14:backgroundRemoval t="2778" b="96627" l="1699" r="97948">
+                        <a14:foregroundMark x1="50602" y1="90873" x2="50602" y2="90873"/>
+                        <a14:foregroundMark x1="53503" y1="58532" x2="53503" y2="58532"/>
+                        <a14:foregroundMark x1="82166" y1="50794" x2="82166" y2="50794"/>
+                        <a14:foregroundMark x1="36660" y1="41270" x2="36660" y2="41270"/>
+                        <a14:foregroundMark x1="4317" y1="34524" x2="4317" y2="34524"/>
+                        <a14:foregroundMark x1="16844" y1="6151" x2="16844" y2="6151"/>
+                      </a14:backgroundRemoval>
+                    </a14:imgEffect>
+                  </a14:imgLayer>
+                </a14:imgProps>
+              </a:ext>
+            </a:extLst>
+          </a:blip>
+          <a:stretch>
+            <a:fillRect/>
+          </a:stretch>
+        </p:blipFill>
+        <p:spPr>
+          <a:xfrm>
+            <a:off x="7211699" y="6255219"/>
+            <a:ext cx="1080643" cy="385452"/>
+          </a:xfrm>
+          <a:prstGeom prst="rect">
+            <a:avLst/>
+          </a:prstGeom>
+          <a:ln>
+            <a:noFill/>
+          </a:ln>
+        </p:spPr>
+      </p:pic>
     </p:spTree>
     <p:extLst>
       <p:ext uri="{BB962C8B-B14F-4D97-AF65-F5344CB8AC3E}">
@@ -3560,7 +3572,7 @@
     <p:bg>
       <p:bgPr>
         <a:solidFill>
-          <a:srgbClr val="005C84"/>
+          <a:schemeClr val="bg1"/>
         </a:solidFill>
         <a:effectLst/>
       </p:bgPr>
@@ -3581,14 +3593,57 @@
       </p:grpSpPr>
       <p:sp>
         <p:nvSpPr>
+          <p:cNvPr id="9" name="Rectangle 8"/>
+          <p:cNvSpPr/>
+          <p:nvPr/>
+        </p:nvSpPr>
+        <p:spPr>
+          <a:xfrm>
+            <a:off x="137786" y="125260"/>
+            <a:ext cx="9648000" cy="6624000"/>
+          </a:xfrm>
+          <a:prstGeom prst="rect">
+            <a:avLst/>
+          </a:prstGeom>
+          <a:solidFill>
+            <a:srgbClr val="005C84"/>
+          </a:solidFill>
+        </p:spPr>
+        <p:style>
+          <a:lnRef idx="2">
+            <a:schemeClr val="accent1">
+              <a:shade val="50000"/>
+            </a:schemeClr>
+          </a:lnRef>
+          <a:fillRef idx="1">
+            <a:schemeClr val="accent1"/>
+          </a:fillRef>
+          <a:effectRef idx="0">
+            <a:schemeClr val="accent1"/>
+          </a:effectRef>
+          <a:fontRef idx="minor">
+            <a:schemeClr val="lt1"/>
+          </a:fontRef>
+        </p:style>
+        <p:txBody>
+          <a:bodyPr rtlCol="0" anchor="ctr"/>
+          <a:lstStyle/>
+          <a:p>
+            <a:pPr algn="ctr"/>
+            <a:endParaRPr lang="en-US"/>
+          </a:p>
+        </p:txBody>
+      </p:sp>
+      <p:sp>
+        <p:nvSpPr>
           <p:cNvPr id="4" name="Rounded Rectangle 3"/>
           <p:cNvSpPr/>
           <p:nvPr/>
         </p:nvSpPr>
         <p:spPr>
           <a:xfrm>
-            <a:off x="6614482" y="140836"/>
-            <a:ext cx="3022986" cy="1633421"/>
+            <a:off x="6802372" y="215992"/>
+            <a:ext cx="2807960" cy="1633421"/>
           </a:xfrm>
           <a:prstGeom prst="roundRect">
             <a:avLst/>
@@ -3662,8 +3717,8 @@
         </p:nvSpPr>
         <p:spPr>
           <a:xfrm>
-            <a:off x="6736283" y="143041"/>
-            <a:ext cx="2806228" cy="1631216"/>
+            <a:off x="6924173" y="218197"/>
+            <a:ext cx="2697912" cy="1631216"/>
           </a:xfrm>
           <a:prstGeom prst="rect">
             <a:avLst/>
@@ -3718,16 +3773,7 @@
                 </a:solidFill>
                 <a:effectLst/>
               </a:rPr>
-              <a:t> interactively alters your Minecraft world in real time, using </a:t>
-            </a:r>
-            <a:r>
-              <a:rPr lang="en-GB" sz="2000" b="0" dirty="0" smtClean="0">
-                <a:solidFill>
-                  <a:srgbClr val="002060"/>
-                </a:solidFill>
-                <a:effectLst/>
-              </a:rPr>
-              <a:t>Python!</a:t>
+              <a:t> interactively alters your Minecraft world in real time, using Python!</a:t>
             </a:r>
             <a:endParaRPr lang="en-GB" sz="2000" dirty="0">
               <a:solidFill>
@@ -3745,8 +3791,8 @@
         </p:nvSpPr>
         <p:spPr>
           <a:xfrm>
-            <a:off x="6732867" y="2819860"/>
-            <a:ext cx="2877465" cy="1569660"/>
+            <a:off x="6920758" y="2844912"/>
+            <a:ext cx="2766400" cy="1569660"/>
           </a:xfrm>
           <a:prstGeom prst="rect">
             <a:avLst/>
@@ -3784,8 +3830,10 @@
                 <a:ea typeface="Helvetica" charset="0"/>
                 <a:cs typeface="Helvetica" charset="0"/>
               </a:rPr>
-              <a:t>Copyright (c) </a:t>
-            </a:r>
+              <a:t>Copyright (c) 2016,</a:t>
+            </a:r>
+          </a:p>
+          <a:p>
             <a:r>
               <a:rPr lang="en-GB" sz="1600" b="1" dirty="0" smtClean="0">
                 <a:solidFill>
@@ -3797,61 +3845,7 @@
                 <a:ea typeface="Helvetica" charset="0"/>
                 <a:cs typeface="Helvetica" charset="0"/>
               </a:rPr>
-              <a:t>2016,</a:t>
-            </a:r>
-          </a:p>
-          <a:p>
-            <a:r>
-              <a:rPr lang="en-GB" sz="1600" b="1" dirty="0" smtClean="0">
-                <a:solidFill>
-                  <a:schemeClr val="accent1">
-                    <a:lumMod val="40000"/>
-                    <a:lumOff val="60000"/>
-                  </a:schemeClr>
-                </a:solidFill>
-                <a:ea typeface="Helvetica" charset="0"/>
-                <a:cs typeface="Helvetica" charset="0"/>
-              </a:rPr>
-              <a:t>Alvaro </a:t>
-            </a:r>
-            <a:r>
-              <a:rPr lang="en-GB" sz="1600" b="1" dirty="0" smtClean="0">
-                <a:solidFill>
-                  <a:schemeClr val="accent1">
-                    <a:lumMod val="40000"/>
-                    <a:lumOff val="60000"/>
-                  </a:schemeClr>
-                </a:solidFill>
-                <a:ea typeface="Helvetica" charset="0"/>
-                <a:cs typeface="Helvetica" charset="0"/>
-              </a:rPr>
-              <a:t>Perez-Diaz </a:t>
-            </a:r>
-            <a:r>
-              <a:rPr lang="en-GB" sz="1600" b="1" dirty="0" smtClean="0">
-                <a:solidFill>
-                  <a:schemeClr val="accent1">
-                    <a:lumMod val="40000"/>
-                    <a:lumOff val="60000"/>
-                  </a:schemeClr>
-                </a:solidFill>
-                <a:ea typeface="Helvetica" charset="0"/>
-                <a:cs typeface="Helvetica" charset="0"/>
-              </a:rPr>
-              <a:t>&amp; </a:t>
-            </a:r>
-            <a:r>
-              <a:rPr lang="en-GB" sz="1600" b="1" dirty="0" smtClean="0">
-                <a:solidFill>
-                  <a:schemeClr val="accent1">
-                    <a:lumMod val="40000"/>
-                    <a:lumOff val="60000"/>
-                  </a:schemeClr>
-                </a:solidFill>
-                <a:ea typeface="Helvetica" charset="0"/>
-                <a:cs typeface="Helvetica" charset="0"/>
-              </a:rPr>
-              <a:t>Hans </a:t>
+              <a:t>Alvaro Perez-Diaz &amp; Hans </a:t>
             </a:r>
             <a:r>
               <a:rPr lang="en-GB" sz="1600" b="1" dirty="0" err="1" smtClean="0">
@@ -3915,8 +3909,8 @@
         </p:nvSpPr>
         <p:spPr>
           <a:xfrm>
-            <a:off x="6732867" y="1901064"/>
-            <a:ext cx="2675532" cy="861774"/>
+            <a:off x="6920757" y="1926116"/>
+            <a:ext cx="2572261" cy="861774"/>
           </a:xfrm>
           <a:prstGeom prst="rect">
             <a:avLst/>
@@ -3960,12 +3954,12 @@
           </a:p>
           <a:p>
             <a:r>
-              <a:rPr lang="en-GB" sz="1600" dirty="0" smtClean="0">
+              <a:rPr lang="en-GB" sz="1600" dirty="0" err="1" smtClean="0">
                 <a:solidFill>
                   <a:schemeClr val="bg1"/>
                 </a:solidFill>
               </a:rPr>
-              <a:t>a.perez-diaz@soton.ac.uk</a:t>
+              <a:t>ngcm@soton.ac.uk</a:t>
             </a:r>
             <a:endParaRPr lang="en-GB" sz="1600" dirty="0">
               <a:solidFill>
@@ -3983,8 +3977,8 @@
         </p:nvSpPr>
         <p:spPr>
           <a:xfrm>
-            <a:off x="286134" y="140836"/>
-            <a:ext cx="4816446" cy="4339650"/>
+            <a:off x="286133" y="140836"/>
+            <a:ext cx="5751411" cy="3970318"/>
           </a:xfrm>
           <a:prstGeom prst="rect">
             <a:avLst/>
@@ -4023,13 +4017,6 @@
               </a:rPr>
               <a:t>Write your own scripts or get plenty of examples online, and use them inside the game with the mighty Computer Block and Python Script items. </a:t>
             </a:r>
-            <a:endParaRPr lang="en-GB" sz="2000" dirty="0">
-              <a:solidFill>
-                <a:schemeClr val="bg1"/>
-              </a:solidFill>
-            </a:endParaRPr>
-          </a:p>
-          <a:p>
             <a:endParaRPr lang="en-GB" sz="2000" dirty="0" smtClean="0">
               <a:solidFill>
                 <a:schemeClr val="bg1"/>
@@ -4037,13 +4024,78 @@
             </a:endParaRPr>
           </a:p>
           <a:p>
-            <a:endParaRPr lang="en-GB" sz="2000" dirty="0">
+            <a:endParaRPr lang="en-GB" sz="2000" dirty="0" smtClean="0">
               <a:solidFill>
                 <a:schemeClr val="bg1"/>
               </a:solidFill>
             </a:endParaRPr>
           </a:p>
           <a:p>
+            <a:r>
+              <a:rPr lang="en-GB" sz="2400" b="1" dirty="0" smtClean="0">
+                <a:solidFill>
+                  <a:schemeClr val="bg1"/>
+                </a:solidFill>
+              </a:rPr>
+              <a:t>Why should you use </a:t>
+            </a:r>
+            <a:r>
+              <a:rPr lang="en-GB" sz="2400" b="1" dirty="0" err="1" smtClean="0">
+                <a:solidFill>
+                  <a:schemeClr val="bg1"/>
+                </a:solidFill>
+              </a:rPr>
+              <a:t>PythonTool</a:t>
+            </a:r>
+            <a:r>
+              <a:rPr lang="en-GB" sz="2400" b="1" dirty="0" smtClean="0">
+                <a:solidFill>
+                  <a:schemeClr val="bg1"/>
+                </a:solidFill>
+              </a:rPr>
+              <a:t>?</a:t>
+            </a:r>
+            <a:endParaRPr lang="en-GB" sz="2400" dirty="0">
+              <a:solidFill>
+                <a:schemeClr val="bg1"/>
+              </a:solidFill>
+            </a:endParaRPr>
+          </a:p>
+          <a:p>
+            <a:r>
+              <a:rPr lang="en-GB" sz="2000" dirty="0" err="1" smtClean="0">
+                <a:solidFill>
+                  <a:schemeClr val="bg1"/>
+                </a:solidFill>
+              </a:rPr>
+              <a:t>PythonTool</a:t>
+            </a:r>
+            <a:r>
+              <a:rPr lang="en-GB" sz="2000" dirty="0" smtClean="0">
+                <a:solidFill>
+                  <a:schemeClr val="bg1"/>
+                </a:solidFill>
+              </a:rPr>
+              <a:t> is a fun way to start learning incredible</a:t>
+            </a:r>
+          </a:p>
+          <a:p>
+            <a:r>
+              <a:rPr lang="en-GB" sz="2000" dirty="0">
+                <a:solidFill>
+                  <a:schemeClr val="bg1"/>
+                </a:solidFill>
+              </a:rPr>
+              <a:t>p</a:t>
+            </a:r>
+            <a:r>
+              <a:rPr lang="en-GB" sz="2000" dirty="0" smtClean="0">
+                <a:solidFill>
+                  <a:schemeClr val="bg1"/>
+                </a:solidFill>
+              </a:rPr>
+              <a:t>rogramming skills that are highly sought after around the world!</a:t>
+            </a:r>
             <a:endParaRPr lang="en-GB" sz="2000" dirty="0">
               <a:solidFill>
                 <a:schemeClr val="bg1"/>
@@ -4129,8 +4181,8 @@
         </p:nvSpPr>
         <p:spPr>
           <a:xfrm>
-            <a:off x="6614482" y="1901064"/>
-            <a:ext cx="3022986" cy="2483921"/>
+            <a:off x="6802372" y="1926116"/>
+            <a:ext cx="2807960" cy="2483921"/>
           </a:xfrm>
           <a:prstGeom prst="roundRect">
             <a:avLst/>

--- a/leaflet/brochure_design2.pptx
+++ b/leaflet/brochure_design2.pptx
@@ -3004,13 +3004,13 @@
               </a:ext>
             </a:extLst>
           </a:blip>
-          <a:srcRect l="15675" r="30345" b="9055"/>
+          <a:srcRect l="15675" t="3522" r="29341" b="3345"/>
           <a:stretch/>
         </p:blipFill>
         <p:spPr>
           <a:xfrm>
-            <a:off x="3320245" y="123172"/>
-            <a:ext cx="6465541" cy="6031476"/>
+            <a:off x="3294911" y="-5134"/>
+            <a:ext cx="6611089" cy="6176685"/>
           </a:xfrm>
           <a:prstGeom prst="rect">
             <a:avLst/>
@@ -3118,14 +3118,14 @@
             <a:r>
               <a:rPr lang="en-GB" sz="2000" dirty="0" smtClean="0">
                 <a:solidFill>
-                  <a:srgbClr val="002060"/>
+                  <a:srgbClr val="008BC6"/>
                 </a:solidFill>
               </a:rPr>
               <a:t>Learning programming with Python and Minecraft</a:t>
             </a:r>
             <a:endParaRPr lang="en-GB" sz="2000" dirty="0">
               <a:solidFill>
-                <a:srgbClr val="002060"/>
+                <a:srgbClr val="008BC6"/>
               </a:solidFill>
             </a:endParaRPr>
           </a:p>
@@ -3169,14 +3169,14 @@
         </p:nvSpPr>
         <p:spPr>
           <a:xfrm>
-            <a:off x="137787" y="6154648"/>
-            <a:ext cx="9648000" cy="594676"/>
+            <a:off x="0" y="6154648"/>
+            <a:ext cx="9905999" cy="703352"/>
           </a:xfrm>
           <a:prstGeom prst="rect">
             <a:avLst/>
           </a:prstGeom>
           <a:solidFill>
-            <a:srgbClr val="005C84"/>
+            <a:srgbClr val="007DB2"/>
           </a:solidFill>
           <a:ln>
             <a:noFill/>
@@ -3209,7 +3209,7 @@
       </p:sp>
       <p:pic>
         <p:nvPicPr>
-          <p:cNvPr id="1026" name="Picture 2" descr="Image result for southampton university logo png"/>
+          <p:cNvPr id="1028" name="Picture 4" descr="Image result for ngcm southampton png"/>
           <p:cNvPicPr>
             <a:picLocks noChangeAspect="1" noChangeArrowheads="1"/>
           </p:cNvPicPr>
@@ -3223,51 +3223,12 @@
               </a:ext>
             </a:extLst>
           </a:blip>
-          <a:srcRect l="6435" r="6616"/>
-          <a:stretch/>
-        </p:blipFill>
-        <p:spPr bwMode="auto">
-          <a:xfrm>
-            <a:off x="8313234" y="6163561"/>
-            <a:ext cx="1457067" cy="580930"/>
-          </a:xfrm>
-          <a:prstGeom prst="rect">
-            <a:avLst/>
-          </a:prstGeom>
-          <a:noFill/>
-          <a:extLst>
-            <a:ext uri="{909E8E84-426E-40DD-AFC4-6F175D3DCCD1}">
-              <a14:hiddenFill xmlns:a14="http://schemas.microsoft.com/office/drawing/2010/main">
-                <a:solidFill>
-                  <a:srgbClr val="FFFFFF"/>
-                </a:solidFill>
-              </a14:hiddenFill>
-            </a:ext>
-          </a:extLst>
-        </p:spPr>
-      </p:pic>
-      <p:pic>
-        <p:nvPicPr>
-          <p:cNvPr id="1028" name="Picture 4" descr="Image result for ngcm southampton png"/>
-          <p:cNvPicPr>
-            <a:picLocks noChangeAspect="1" noChangeArrowheads="1"/>
-          </p:cNvPicPr>
-          <p:nvPr/>
-        </p:nvPicPr>
-        <p:blipFill rotWithShape="1">
-          <a:blip r:embed="rId4" cstate="print">
-            <a:extLst>
-              <a:ext uri="{28A0092B-C50C-407E-A947-70E740481C1C}">
-                <a14:useLocalDpi xmlns:a14="http://schemas.microsoft.com/office/drawing/2010/main" val="0"/>
-              </a:ext>
-            </a:extLst>
-          </a:blip>
           <a:srcRect b="4329"/>
           <a:stretch/>
         </p:blipFill>
         <p:spPr bwMode="auto">
           <a:xfrm>
-            <a:off x="6676130" y="6198765"/>
+            <a:off x="6641020" y="6194775"/>
             <a:ext cx="502113" cy="506440"/>
           </a:xfrm>
           <a:prstGeom prst="rect">
@@ -3440,7 +3401,7 @@
           <p:nvPr/>
         </p:nvPicPr>
         <p:blipFill>
-          <a:blip r:embed="rId5" cstate="print">
+          <a:blip r:embed="rId4" cstate="print">
             <a:extLst>
               <a:ext uri="{28A0092B-C50C-407E-A947-70E740481C1C}">
                 <a14:useLocalDpi xmlns:a14="http://schemas.microsoft.com/office/drawing/2010/main" val="0"/>
@@ -3486,7 +3447,7 @@
             <a:r>
               <a:rPr lang="en-GB" sz="2800" dirty="0" err="1" smtClean="0">
                 <a:solidFill>
-                  <a:srgbClr val="002060"/>
+                  <a:srgbClr val="008BC6"/>
                 </a:solidFill>
               </a:rPr>
               <a:t>PythonTool</a:t>
@@ -3494,14 +3455,14 @@
             <a:r>
               <a:rPr lang="en-GB" sz="2800" dirty="0" smtClean="0">
                 <a:solidFill>
-                  <a:srgbClr val="002060"/>
+                  <a:srgbClr val="008BC6"/>
                 </a:solidFill>
               </a:rPr>
               <a:t> Mod</a:t>
             </a:r>
             <a:endParaRPr lang="en-GB" sz="2800" dirty="0">
               <a:solidFill>
-                <a:srgbClr val="002060"/>
+                <a:srgbClr val="008BC6"/>
               </a:solidFill>
             </a:endParaRPr>
           </a:p>
@@ -3516,11 +3477,12 @@
           <p:nvPr/>
         </p:nvPicPr>
         <p:blipFill>
-          <a:blip r:embed="rId6">
+          <a:blip r:embed="rId5">
+            <a:biLevel thresh="25000"/>
             <a:extLst>
               <a:ext uri="{BEBA8EAE-BF5A-486C-A8C5-ECC9F3942E4B}">
                 <a14:imgProps xmlns:a14="http://schemas.microsoft.com/office/drawing/2010/main">
-                  <a14:imgLayer r:embed="rId7">
+                  <a14:imgLayer r:embed="rId6">
                     <a14:imgEffect>
                       <a14:backgroundRemoval t="2778" b="96627" l="1699" r="97948">
                         <a14:foregroundMark x1="50602" y1="90873" x2="50602" y2="90873"/>
@@ -3542,7 +3504,7 @@
         </p:blipFill>
         <p:spPr>
           <a:xfrm>
-            <a:off x="7211699" y="6255219"/>
+            <a:off x="8703220" y="6243507"/>
             <a:ext cx="1080643" cy="385452"/>
           </a:xfrm>
           <a:prstGeom prst="rect">
@@ -3551,6 +3513,77 @@
           <a:ln>
             <a:noFill/>
           </a:ln>
+        </p:spPr>
+      </p:pic>
+      <p:pic>
+        <p:nvPicPr>
+          <p:cNvPr id="3" name="Picture 2"/>
+          <p:cNvPicPr>
+            <a:picLocks noChangeAspect="1"/>
+          </p:cNvPicPr>
+          <p:nvPr/>
+        </p:nvPicPr>
+        <p:blipFill rotWithShape="1">
+          <a:blip r:embed="rId7">
+            <a:extLst>
+              <a:ext uri="{BEBA8EAE-BF5A-486C-A8C5-ECC9F3942E4B}">
+                <a14:imgProps xmlns:a14="http://schemas.microsoft.com/office/drawing/2010/main">
+                  <a14:imgLayer r:embed="rId8">
+                    <a14:imgEffect>
+                      <a14:backgroundRemoval t="9711" b="89669" l="5976" r="93377">
+                        <a14:foregroundMark x1="10223" y1="45455" x2="10223" y2="45455"/>
+                        <a14:foregroundMark x1="21958" y1="52066" x2="21958" y2="52066"/>
+                        <a14:foregroundMark x1="23974" y1="52066" x2="23974" y2="52066"/>
+                        <a14:foregroundMark x1="29086" y1="51860" x2="29086" y2="51860"/>
+                        <a14:foregroundMark x1="32325" y1="52479" x2="32325" y2="52479"/>
+                        <a14:foregroundMark x1="37437" y1="46901" x2="37437" y2="46901"/>
+                        <a14:foregroundMark x1="49964" y1="52686" x2="49964" y2="52686"/>
+                        <a14:foregroundMark x1="65731" y1="51240" x2="65731" y2="51240"/>
+                        <a14:foregroundMark x1="73866" y1="51033" x2="73866" y2="51033"/>
+                        <a14:foregroundMark x1="78762" y1="51240" x2="78762" y2="51240"/>
+                        <a14:foregroundMark x1="86465" y1="55579" x2="86465" y2="55579"/>
+                        <a14:foregroundMark x1="80634" y1="30165" x2="80634" y2="30165"/>
+                        <a14:foregroundMark x1="79626" y1="30372" x2="79626" y2="30372"/>
+                        <a14:foregroundMark x1="71922" y1="30785" x2="71922" y2="30785"/>
+                        <a14:foregroundMark x1="76026" y1="30165" x2="76026" y2="30165"/>
+                        <a14:foregroundMark x1="73002" y1="25000" x2="73002" y2="25000"/>
+                        <a14:foregroundMark x1="77682" y1="23554" x2="77682" y2="23554"/>
+                        <a14:foregroundMark x1="77898" y1="35744" x2="77898" y2="35744"/>
+                        <a14:foregroundMark x1="72498" y1="27686" x2="72498" y2="27686"/>
+                        <a14:foregroundMark x1="68035" y1="24174" x2="68035" y2="24174"/>
+                        <a14:foregroundMark x1="65371" y1="33678" x2="65371" y2="33678"/>
+                        <a14:foregroundMark x1="64363" y1="32851" x2="64363" y2="32851"/>
+                        <a14:foregroundMark x1="59827" y1="30785" x2="59827" y2="30785"/>
+                        <a14:foregroundMark x1="62131" y1="35124" x2="62131" y2="35124"/>
+                        <a14:foregroundMark x1="63859" y1="24380" x2="63859" y2="24380"/>
+                        <a14:foregroundMark x1="59323" y1="23967" x2="59323" y2="23967"/>
+                        <a14:foregroundMark x1="55436" y1="30579" x2="55436" y2="30579"/>
+                        <a14:foregroundMark x1="52700" y1="33058" x2="52700" y2="33058"/>
+                        <a14:foregroundMark x1="54356" y1="24380" x2="54356" y2="24380"/>
+                        <a14:foregroundMark x1="53852" y1="27479" x2="53852" y2="27479"/>
+                        <a14:foregroundMark x1="49748" y1="30785" x2="49748" y2="30785"/>
+                        <a14:foregroundMark x1="47444" y1="31198" x2="47444" y2="31198"/>
+                        <a14:foregroundMark x1="41109" y1="30579" x2="41109" y2="30579"/>
+                        <a14:foregroundMark x1="43988" y1="27893" x2="43988" y2="27893"/>
+                        <a14:backgroundMark x1="59467" y1="27273" x2="59467" y2="27273"/>
+                      </a14:backgroundRemoval>
+                    </a14:imgEffect>
+                  </a14:imgLayer>
+                </a14:imgProps>
+              </a:ext>
+            </a:extLst>
+          </a:blip>
+          <a:srcRect l="-1491" t="18375" r="7306" b="19570"/>
+          <a:stretch/>
+        </p:blipFill>
+        <p:spPr>
+          <a:xfrm>
+            <a:off x="7027438" y="6269475"/>
+            <a:ext cx="1642533" cy="377091"/>
+          </a:xfrm>
+          <a:prstGeom prst="rect">
+            <a:avLst/>
+          </a:prstGeom>
         </p:spPr>
       </p:pic>
     </p:spTree>
@@ -3599,14 +3632,14 @@
         </p:nvSpPr>
         <p:spPr>
           <a:xfrm>
-            <a:off x="137786" y="125260"/>
-            <a:ext cx="9648000" cy="6624000"/>
+            <a:off x="0" y="0"/>
+            <a:ext cx="9906000" cy="6858000"/>
           </a:xfrm>
           <a:prstGeom prst="rect">
             <a:avLst/>
           </a:prstGeom>
           <a:solidFill>
-            <a:srgbClr val="005C84"/>
+            <a:srgbClr val="008BC6"/>
           </a:solidFill>
         </p:spPr>
         <p:style>
@@ -3642,11 +3675,13 @@
         </p:nvSpPr>
         <p:spPr>
           <a:xfrm>
-            <a:off x="6802372" y="215992"/>
+            <a:off x="6802372" y="247387"/>
             <a:ext cx="2807960" cy="1633421"/>
           </a:xfrm>
           <a:prstGeom prst="roundRect">
-            <a:avLst/>
+            <a:avLst>
+              <a:gd name="adj" fmla="val 9147"/>
+            </a:avLst>
           </a:prstGeom>
           <a:solidFill>
             <a:schemeClr val="bg1"/>
@@ -3717,7 +3752,7 @@
         </p:nvSpPr>
         <p:spPr>
           <a:xfrm>
-            <a:off x="6924173" y="218197"/>
+            <a:off x="6924173" y="259141"/>
             <a:ext cx="2697912" cy="1631216"/>
           </a:xfrm>
           <a:prstGeom prst="rect">
@@ -3733,7 +3768,7 @@
             <a:r>
               <a:rPr lang="en-GB" sz="2000" b="1" dirty="0" err="1" smtClean="0">
                 <a:solidFill>
-                  <a:srgbClr val="002060"/>
+                  <a:srgbClr val="008BC6"/>
                 </a:solidFill>
                 <a:effectLst/>
               </a:rPr>
@@ -3742,7 +3777,7 @@
             <a:r>
               <a:rPr lang="en-GB" sz="2000" b="1" dirty="0" smtClean="0">
                 <a:solidFill>
-                  <a:srgbClr val="002060"/>
+                  <a:srgbClr val="008BC6"/>
                 </a:solidFill>
                 <a:effectLst/>
               </a:rPr>
@@ -3751,7 +3786,7 @@
             <a:r>
               <a:rPr lang="en-GB" sz="2000" b="0" dirty="0" smtClean="0">
                 <a:solidFill>
-                  <a:srgbClr val="002060"/>
+                  <a:srgbClr val="008BC6"/>
                 </a:solidFill>
                 <a:effectLst/>
               </a:rPr>
@@ -3760,7 +3795,7 @@
             <a:r>
               <a:rPr lang="en-GB" sz="2000" b="1" dirty="0" smtClean="0">
                 <a:solidFill>
-                  <a:srgbClr val="002060"/>
+                  <a:srgbClr val="008BC6"/>
                 </a:solidFill>
                 <a:effectLst/>
               </a:rPr>
@@ -3769,7 +3804,7 @@
             <a:r>
               <a:rPr lang="en-GB" sz="2000" b="0" dirty="0" smtClean="0">
                 <a:solidFill>
-                  <a:srgbClr val="002060"/>
+                  <a:srgbClr val="008BC6"/>
                 </a:solidFill>
                 <a:effectLst/>
               </a:rPr>
@@ -3777,7 +3812,7 @@
             </a:r>
             <a:endParaRPr lang="en-GB" sz="2000" dirty="0">
               <a:solidFill>
-                <a:srgbClr val="002060"/>
+                <a:srgbClr val="008BC6"/>
               </a:solidFill>
             </a:endParaRPr>
           </a:p>
@@ -3791,8 +3826,8 @@
         </p:nvSpPr>
         <p:spPr>
           <a:xfrm>
-            <a:off x="6920758" y="2844912"/>
-            <a:ext cx="2766400" cy="1569660"/>
+            <a:off x="6802372" y="2885856"/>
+            <a:ext cx="2884786" cy="1323439"/>
           </a:xfrm>
           <a:prstGeom prst="rect">
             <a:avLst/>
@@ -3807,53 +3842,51 @@
             <a:r>
               <a:rPr lang="en-GB" sz="1600" b="1" dirty="0" smtClean="0">
                 <a:solidFill>
-                  <a:schemeClr val="accent1">
-                    <a:lumMod val="40000"/>
-                    <a:lumOff val="60000"/>
-                  </a:schemeClr>
+                  <a:schemeClr val="bg1"/>
                 </a:solidFill>
                 <a:ea typeface="Helvetica" charset="0"/>
                 <a:cs typeface="Helvetica" charset="0"/>
               </a:rPr>
-              <a:t>MIT License </a:t>
+              <a:t>MIT License Copyright (c) 2016</a:t>
             </a:r>
           </a:p>
           <a:p>
             <a:r>
               <a:rPr lang="en-GB" sz="1600" b="1" dirty="0" smtClean="0">
                 <a:solidFill>
-                  <a:schemeClr val="accent1">
-                    <a:lumMod val="40000"/>
-                    <a:lumOff val="60000"/>
-                  </a:schemeClr>
+                  <a:schemeClr val="bg1"/>
                 </a:solidFill>
                 <a:ea typeface="Helvetica" charset="0"/>
                 <a:cs typeface="Helvetica" charset="0"/>
               </a:rPr>
-              <a:t>Copyright (c) 2016,</a:t>
-            </a:r>
-          </a:p>
-          <a:p>
-            <a:r>
-              <a:rPr lang="en-GB" sz="1600" b="1" dirty="0" smtClean="0">
-                <a:solidFill>
-                  <a:schemeClr val="accent1">
-                    <a:lumMod val="40000"/>
-                    <a:lumOff val="60000"/>
-                  </a:schemeClr>
+              <a:t>Alvaro Perez-Diaz &amp; </a:t>
+            </a:r>
+          </a:p>
+          <a:p>
+            <a:r>
+              <a:rPr lang="en-GB" sz="1600" b="1" dirty="0">
+                <a:solidFill>
+                  <a:schemeClr val="bg1"/>
                 </a:solidFill>
                 <a:ea typeface="Helvetica" charset="0"/>
                 <a:cs typeface="Helvetica" charset="0"/>
               </a:rPr>
-              <a:t>Alvaro Perez-Diaz &amp; Hans </a:t>
+              <a:t> </a:t>
+            </a:r>
+            <a:r>
+              <a:rPr lang="en-GB" sz="1600" b="1" dirty="0" smtClean="0">
+                <a:solidFill>
+                  <a:schemeClr val="bg1"/>
+                </a:solidFill>
+                <a:ea typeface="Helvetica" charset="0"/>
+                <a:cs typeface="Helvetica" charset="0"/>
+              </a:rPr>
+              <a:t>   Hans </a:t>
             </a:r>
             <a:r>
               <a:rPr lang="en-GB" sz="1600" b="1" dirty="0" err="1" smtClean="0">
                 <a:solidFill>
-                  <a:schemeClr val="accent1">
-                    <a:lumMod val="40000"/>
-                    <a:lumOff val="60000"/>
-                  </a:schemeClr>
+                  <a:schemeClr val="bg1"/>
                 </a:solidFill>
                 <a:ea typeface="Helvetica" charset="0"/>
                 <a:cs typeface="Helvetica" charset="0"/>
@@ -3863,25 +3896,19 @@
             <a:r>
               <a:rPr lang="en-GB" sz="1600" b="1" dirty="0" smtClean="0">
                 <a:solidFill>
-                  <a:schemeClr val="accent1">
-                    <a:lumMod val="40000"/>
-                    <a:lumOff val="60000"/>
-                  </a:schemeClr>
+                  <a:schemeClr val="bg1"/>
                 </a:solidFill>
                 <a:ea typeface="Helvetica" charset="0"/>
                 <a:cs typeface="Helvetica" charset="0"/>
               </a:rPr>
-              <a:t>.</a:t>
+              <a:t>,</a:t>
             </a:r>
           </a:p>
           <a:p>
             <a:r>
               <a:rPr lang="en-GB" sz="1600" b="1" dirty="0" smtClean="0">
                 <a:solidFill>
-                  <a:schemeClr val="accent1">
-                    <a:lumMod val="40000"/>
-                    <a:lumOff val="60000"/>
-                  </a:schemeClr>
+                  <a:schemeClr val="bg1"/>
                 </a:solidFill>
                 <a:ea typeface="Helvetica" charset="0"/>
                 <a:cs typeface="Helvetica" charset="0"/>
@@ -3890,10 +3917,7 @@
             </a:r>
             <a:endParaRPr lang="en-GB" sz="1600" b="1" dirty="0">
               <a:solidFill>
-                <a:schemeClr val="accent1">
-                  <a:lumMod val="40000"/>
-                  <a:lumOff val="60000"/>
-                </a:schemeClr>
+                <a:schemeClr val="bg1"/>
               </a:solidFill>
               <a:ea typeface="Helvetica" charset="0"/>
               <a:cs typeface="Helvetica" charset="0"/>
@@ -3909,7 +3933,7 @@
         </p:nvSpPr>
         <p:spPr>
           <a:xfrm>
-            <a:off x="6920757" y="1926116"/>
+            <a:off x="6920757" y="1967060"/>
             <a:ext cx="2572261" cy="861774"/>
           </a:xfrm>
           <a:prstGeom prst="rect">
@@ -3923,6 +3947,7 @@
           </a:bodyPr>
           <a:lstStyle/>
           <a:p>
+            <a:pPr algn="ctr"/>
             <a:r>
               <a:rPr lang="en-GB" b="1" dirty="0" smtClean="0">
                 <a:solidFill>
@@ -3935,6 +3960,7 @@
             </a:r>
           </a:p>
           <a:p>
+            <a:pPr algn="ctr"/>
             <a:r>
               <a:rPr lang="en-GB" sz="1600" i="1" dirty="0" err="1" smtClean="0">
                 <a:solidFill>
@@ -3953,6 +3979,7 @@
             </a:r>
           </a:p>
           <a:p>
+            <a:pPr algn="ctr"/>
             <a:r>
               <a:rPr lang="en-GB" sz="1600" dirty="0" err="1" smtClean="0">
                 <a:solidFill>
@@ -3977,7 +4004,7 @@
         </p:nvSpPr>
         <p:spPr>
           <a:xfrm>
-            <a:off x="286133" y="140836"/>
+            <a:off x="286133" y="209076"/>
             <a:ext cx="5751411" cy="3970318"/>
           </a:xfrm>
           <a:prstGeom prst="rect">
@@ -4017,11 +4044,6 @@
               </a:rPr>
               <a:t>Write your own scripts or get plenty of examples online, and use them inside the game with the mighty Computer Block and Python Script items. </a:t>
             </a:r>
-            <a:endParaRPr lang="en-GB" sz="2000" dirty="0" smtClean="0">
-              <a:solidFill>
-                <a:schemeClr val="bg1"/>
-              </a:solidFill>
-            </a:endParaRPr>
           </a:p>
           <a:p>
             <a:endParaRPr lang="en-GB" sz="2000" dirty="0" smtClean="0">
@@ -4181,19 +4203,18 @@
         </p:nvSpPr>
         <p:spPr>
           <a:xfrm>
-            <a:off x="6802372" y="1926116"/>
-            <a:ext cx="2807960" cy="2483921"/>
+            <a:off x="6802372" y="1967060"/>
+            <a:ext cx="2807960" cy="2242235"/>
           </a:xfrm>
           <a:prstGeom prst="roundRect">
-            <a:avLst/>
+            <a:avLst>
+              <a:gd name="adj" fmla="val 7358"/>
+            </a:avLst>
           </a:prstGeom>
           <a:noFill/>
           <a:ln w="41275">
             <a:solidFill>
-              <a:schemeClr val="accent1">
-                <a:lumMod val="40000"/>
-                <a:lumOff val="60000"/>
-              </a:schemeClr>
+              <a:schemeClr val="bg1"/>
             </a:solidFill>
           </a:ln>
         </p:spPr>
@@ -4218,7 +4239,11 @@
           <a:lstStyle/>
           <a:p>
             <a:pPr algn="ctr"/>
-            <a:endParaRPr lang="en-GB"/>
+            <a:endParaRPr lang="en-GB">
+              <a:solidFill>
+                <a:schemeClr val="bg1"/>
+              </a:solidFill>
+            </a:endParaRPr>
           </a:p>
         </p:txBody>
       </p:sp>

--- a/leaflet/brochure_design2.pptx
+++ b/leaflet/brochure_design2.pptx
@@ -3004,13 +3004,13 @@
               </a:ext>
             </a:extLst>
           </a:blip>
-          <a:srcRect l="15675" t="3522" r="29341" b="3345"/>
+          <a:srcRect l="15675" t="1812" r="28214" b="3345"/>
           <a:stretch/>
         </p:blipFill>
         <p:spPr>
           <a:xfrm>
-            <a:off x="3294911" y="-5134"/>
-            <a:ext cx="6611089" cy="6176685"/>
+            <a:off x="3294911" y="-118532"/>
+            <a:ext cx="6746556" cy="6290084"/>
           </a:xfrm>
           <a:prstGeom prst="rect">
             <a:avLst/>
@@ -3169,8 +3169,8 @@
         </p:nvSpPr>
         <p:spPr>
           <a:xfrm>
-            <a:off x="0" y="6154648"/>
-            <a:ext cx="9905999" cy="703352"/>
+            <a:off x="-118532" y="6154647"/>
+            <a:ext cx="10160000" cy="838819"/>
           </a:xfrm>
           <a:prstGeom prst="rect">
             <a:avLst/>
@@ -3632,8 +3632,8 @@
         </p:nvSpPr>
         <p:spPr>
           <a:xfrm>
-            <a:off x="0" y="0"/>
-            <a:ext cx="9906000" cy="6858000"/>
+            <a:off x="-135467" y="-118533"/>
+            <a:ext cx="10210800" cy="7112000"/>
           </a:xfrm>
           <a:prstGeom prst="rect">
             <a:avLst/>
